--- a/01-lecture-git-basic/slides/01-c-compphys.pptx
+++ b/01-lecture-git-basic/slides/01-c-compphys.pptx
@@ -5,13 +5,14 @@
     <p:sldMasterId id="2147483663" r:id="rId1"/>
   </p:sldMasterIdLst>
   <p:notesMasterIdLst>
-    <p:notesMasterId r:id="rId6"/>
+    <p:notesMasterId r:id="rId7"/>
   </p:notesMasterIdLst>
   <p:sldIdLst>
     <p:sldId id="256" r:id="rId2"/>
     <p:sldId id="302" r:id="rId3"/>
-    <p:sldId id="303" r:id="rId4"/>
-    <p:sldId id="294" r:id="rId5"/>
+    <p:sldId id="304" r:id="rId4"/>
+    <p:sldId id="303" r:id="rId5"/>
+    <p:sldId id="294" r:id="rId6"/>
   </p:sldIdLst>
   <p:sldSz cx="9144000" cy="6858000" type="screen4x3"/>
   <p:notesSz cx="6858000" cy="9144000"/>
@@ -1484,7 +1485,7 @@
         <p:spPr>
           <a:xfrm>
             <a:off x="899592" y="1844824"/>
-            <a:ext cx="6750566" cy="1569660"/>
+            <a:ext cx="6340197" cy="1569660"/>
           </a:xfrm>
           <a:prstGeom prst="rect">
             <a:avLst/>
@@ -1520,8 +1521,12 @@
           </a:p>
           <a:p>
             <a:r>
+              <a:rPr lang="ja-JP" altLang="en-US" sz="3200"/>
+              <a:t>クラスタ</a:t>
+            </a:r>
+            <a:r>
               <a:rPr kumimoji="1" lang="ja-JP" altLang="en-US" sz="3200"/>
-              <a:t>計算サーバやスパコンでコード共有</a:t>
+              <a:t>やスパコンでコード共有</a:t>
             </a:r>
           </a:p>
         </p:txBody>
@@ -1584,8 +1589,8 @@
         </p:nvSpPr>
         <p:spPr>
           <a:xfrm>
-            <a:off x="899592" y="4509120"/>
-            <a:ext cx="6750566" cy="1569660"/>
+            <a:off x="971600" y="4365104"/>
+            <a:ext cx="6088526" cy="1569660"/>
           </a:xfrm>
           <a:prstGeom prst="rect">
             <a:avLst/>
@@ -1599,31 +1604,114 @@
           <a:lstStyle/>
           <a:p>
             <a:r>
+              <a:rPr lang="ja-JP" altLang="en-US" sz="3200"/>
+              <a:t>論文を</a:t>
+            </a:r>
+            <a:r>
+              <a:rPr lang="en-US" altLang="ja-JP" sz="3200"/>
+              <a:t>Git</a:t>
+            </a:r>
+            <a:r>
+              <a:rPr lang="ja-JP" altLang="en-US" sz="3200"/>
+              <a:t>で管理、</a:t>
+            </a:r>
+            <a:r>
+              <a:rPr lang="en-US" altLang="ja-JP" sz="3200"/>
+              <a:t>GitHub</a:t>
+            </a:r>
+            <a:r>
+              <a:rPr lang="ja-JP" altLang="en-US" sz="3200"/>
+              <a:t>に保存</a:t>
+            </a:r>
+            <a:endParaRPr lang="en-US" altLang="ja-JP" sz="3200"/>
+          </a:p>
+          <a:p>
+            <a:r>
               <a:rPr kumimoji="1" lang="ja-JP" altLang="en-US" sz="3200"/>
-              <a:t>開発するコードを</a:t>
-            </a:r>
-            <a:r>
-              <a:rPr kumimoji="1" lang="en-US" altLang="ja-JP" sz="3200"/>
-              <a:t>Git</a:t>
-            </a:r>
+              <a:t>バックアップ</a:t>
+            </a:r>
+            <a:endParaRPr kumimoji="1" lang="en-US" altLang="ja-JP" sz="3200"/>
+          </a:p>
+          <a:p>
             <a:r>
               <a:rPr kumimoji="1" lang="ja-JP" altLang="en-US" sz="3200"/>
-              <a:t>で管理</a:t>
-            </a:r>
-            <a:endParaRPr lang="en-US" altLang="ja-JP" sz="3200"/>
-          </a:p>
-          <a:p>
-            <a:r>
-              <a:rPr lang="ja-JP" altLang="en-US" sz="3200"/>
-              <a:t>ローカルでのデバッグ</a:t>
-            </a:r>
-            <a:endParaRPr lang="en-US" altLang="ja-JP" sz="3200"/>
-          </a:p>
-          <a:p>
-            <a:r>
-              <a:rPr kumimoji="1" lang="ja-JP" altLang="en-US" sz="3200"/>
-              <a:t>計算サーバやスパコンでコード共有</a:t>
-            </a:r>
+              <a:t>共著者と共有しやすい</a:t>
+            </a:r>
+          </a:p>
+        </p:txBody>
+      </p:sp>
+      <p:sp>
+        <p:nvSpPr>
+          <p:cNvPr id="7" name="テキスト ボックス 6">
+            <a:extLst>
+              <a:ext uri="{FF2B5EF4-FFF2-40B4-BE49-F238E27FC236}">
+                <a16:creationId xmlns:a16="http://schemas.microsoft.com/office/drawing/2014/main" id="{D3680EB1-E543-C6C6-57A4-62DABC34C169}"/>
+              </a:ext>
+            </a:extLst>
+          </p:cNvPr>
+          <p:cNvSpPr txBox="1"/>
+          <p:nvPr/>
+        </p:nvSpPr>
+        <p:spPr>
+          <a:xfrm>
+            <a:off x="683568" y="6237312"/>
+            <a:ext cx="2274982" cy="369332"/>
+          </a:xfrm>
+          <a:prstGeom prst="rect">
+            <a:avLst/>
+          </a:prstGeom>
+          <a:noFill/>
+        </p:spPr>
+        <p:txBody>
+          <a:bodyPr wrap="none" rtlCol="0">
+            <a:spAutoFit/>
+          </a:bodyPr>
+          <a:lstStyle/>
+          <a:p>
+            <a:r>
+              <a:rPr kumimoji="1" lang="en-US" altLang="ja-JP"/>
+              <a:t>※ Overleaf</a:t>
+            </a:r>
+            <a:r>
+              <a:rPr kumimoji="1" lang="ja-JP" altLang="en-US"/>
+              <a:t>派も多い</a:t>
+            </a:r>
+          </a:p>
+        </p:txBody>
+      </p:sp>
+      <p:sp>
+        <p:nvSpPr>
+          <p:cNvPr id="8" name="テキスト ボックス 7">
+            <a:extLst>
+              <a:ext uri="{FF2B5EF4-FFF2-40B4-BE49-F238E27FC236}">
+                <a16:creationId xmlns:a16="http://schemas.microsoft.com/office/drawing/2014/main" id="{E9E41A0C-9182-E4EB-A872-03FFCF3634F9}"/>
+              </a:ext>
+            </a:extLst>
+          </p:cNvPr>
+          <p:cNvSpPr txBox="1"/>
+          <p:nvPr/>
+        </p:nvSpPr>
+        <p:spPr>
+          <a:xfrm>
+            <a:off x="1835696" y="3851756"/>
+            <a:ext cx="415498" cy="369332"/>
+          </a:xfrm>
+          <a:prstGeom prst="rect">
+            <a:avLst/>
+          </a:prstGeom>
+          <a:noFill/>
+        </p:spPr>
+        <p:txBody>
+          <a:bodyPr wrap="none" rtlCol="0">
+            <a:spAutoFit/>
+          </a:bodyPr>
+          <a:lstStyle/>
+          <a:p>
+            <a:r>
+              <a:rPr kumimoji="1" lang="en-US" altLang="ja-JP"/>
+              <a:t>※</a:t>
+            </a:r>
+            <a:endParaRPr kumimoji="1" lang="ja-JP" altLang="en-US"/>
           </a:p>
         </p:txBody>
       </p:sp>
@@ -1662,6 +1750,311 @@
           <p:cNvPr id="2" name="テキスト プレースホルダー 1">
             <a:extLst>
               <a:ext uri="{FF2B5EF4-FFF2-40B4-BE49-F238E27FC236}">
+                <a16:creationId xmlns:a16="http://schemas.microsoft.com/office/drawing/2014/main" id="{A0BB65D7-B109-65D9-3C45-A122A7524B0F}"/>
+              </a:ext>
+            </a:extLst>
+          </p:cNvPr>
+          <p:cNvSpPr>
+            <a:spLocks noGrp="1"/>
+          </p:cNvSpPr>
+          <p:nvPr>
+            <p:ph type="body" sz="quarter" idx="10"/>
+          </p:nvPr>
+        </p:nvSpPr>
+        <p:spPr/>
+        <p:txBody>
+          <a:bodyPr/>
+          <a:lstStyle/>
+          <a:p>
+            <a:r>
+              <a:rPr lang="ja-JP" altLang="en-US"/>
+              <a:t>計算物理における</a:t>
+            </a:r>
+            <a:r>
+              <a:rPr lang="en-US" altLang="ja-JP"/>
+              <a:t>Git</a:t>
+            </a:r>
+            <a:r>
+              <a:rPr lang="ja-JP" altLang="en-US"/>
+              <a:t>の使い道</a:t>
+            </a:r>
+            <a:r>
+              <a:rPr lang="en-US" altLang="ja-JP"/>
+              <a:t>(</a:t>
+            </a:r>
+            <a:r>
+              <a:rPr lang="ja-JP" altLang="en-US"/>
+              <a:t>例</a:t>
+            </a:r>
+            <a:r>
+              <a:rPr lang="en-US" altLang="ja-JP"/>
+              <a:t>)</a:t>
+            </a:r>
+            <a:endParaRPr lang="ja-JP" altLang="en-US"/>
+          </a:p>
+        </p:txBody>
+      </p:sp>
+      <p:sp>
+        <p:nvSpPr>
+          <p:cNvPr id="3" name="テキスト ボックス 2">
+            <a:extLst>
+              <a:ext uri="{FF2B5EF4-FFF2-40B4-BE49-F238E27FC236}">
+                <a16:creationId xmlns:a16="http://schemas.microsoft.com/office/drawing/2014/main" id="{3370C6DC-365C-76D2-C359-DF1B5BC37FDA}"/>
+              </a:ext>
+            </a:extLst>
+          </p:cNvPr>
+          <p:cNvSpPr txBox="1"/>
+          <p:nvPr/>
+        </p:nvSpPr>
+        <p:spPr>
+          <a:xfrm>
+            <a:off x="179512" y="1196752"/>
+            <a:ext cx="2236510" cy="584775"/>
+          </a:xfrm>
+          <a:prstGeom prst="rect">
+            <a:avLst/>
+          </a:prstGeom>
+          <a:noFill/>
+        </p:spPr>
+        <p:txBody>
+          <a:bodyPr wrap="none" rtlCol="0">
+            <a:spAutoFit/>
+          </a:bodyPr>
+          <a:lstStyle/>
+          <a:p>
+            <a:r>
+              <a:rPr lang="ja-JP" altLang="en-US" sz="3200">
+                <a:solidFill>
+                  <a:srgbClr val="011893"/>
+                </a:solidFill>
+              </a:rPr>
+              <a:t>データ共有</a:t>
+            </a:r>
+            <a:endParaRPr lang="en-US" sz="3200">
+              <a:solidFill>
+                <a:srgbClr val="011893"/>
+              </a:solidFill>
+            </a:endParaRPr>
+          </a:p>
+        </p:txBody>
+      </p:sp>
+      <p:sp>
+        <p:nvSpPr>
+          <p:cNvPr id="4" name="テキスト ボックス 3">
+            <a:extLst>
+              <a:ext uri="{FF2B5EF4-FFF2-40B4-BE49-F238E27FC236}">
+                <a16:creationId xmlns:a16="http://schemas.microsoft.com/office/drawing/2014/main" id="{83DC18B5-2656-46F0-9921-CBA330BED528}"/>
+              </a:ext>
+            </a:extLst>
+          </p:cNvPr>
+          <p:cNvSpPr txBox="1"/>
+          <p:nvPr/>
+        </p:nvSpPr>
+        <p:spPr>
+          <a:xfrm>
+            <a:off x="899592" y="1844824"/>
+            <a:ext cx="6340197" cy="1077218"/>
+          </a:xfrm>
+          <a:prstGeom prst="rect">
+            <a:avLst/>
+          </a:prstGeom>
+          <a:noFill/>
+        </p:spPr>
+        <p:txBody>
+          <a:bodyPr wrap="none" rtlCol="0">
+            <a:spAutoFit/>
+          </a:bodyPr>
+          <a:lstStyle/>
+          <a:p>
+            <a:r>
+              <a:rPr kumimoji="1" lang="ja-JP" altLang="en-US" sz="3200"/>
+              <a:t>論文執筆に使ったデータを公開</a:t>
+            </a:r>
+            <a:endParaRPr kumimoji="1" lang="en-US" altLang="ja-JP" sz="3200"/>
+          </a:p>
+          <a:p>
+            <a:r>
+              <a:rPr lang="en-US" altLang="ja-JP" sz="3200"/>
+              <a:t>ex) </a:t>
+            </a:r>
+            <a:r>
+              <a:rPr lang="ja-JP" altLang="en-US" sz="3200"/>
+              <a:t>物性研究所データリポジトリ</a:t>
+            </a:r>
+            <a:endParaRPr kumimoji="1" lang="ja-JP" altLang="en-US" sz="3200"/>
+          </a:p>
+        </p:txBody>
+      </p:sp>
+      <p:sp>
+        <p:nvSpPr>
+          <p:cNvPr id="5" name="テキスト ボックス 4">
+            <a:extLst>
+              <a:ext uri="{FF2B5EF4-FFF2-40B4-BE49-F238E27FC236}">
+                <a16:creationId xmlns:a16="http://schemas.microsoft.com/office/drawing/2014/main" id="{D08B01BB-FADF-0B47-B431-F8F6FCF9C128}"/>
+              </a:ext>
+            </a:extLst>
+          </p:cNvPr>
+          <p:cNvSpPr txBox="1"/>
+          <p:nvPr/>
+        </p:nvSpPr>
+        <p:spPr>
+          <a:xfrm>
+            <a:off x="179512" y="3717032"/>
+            <a:ext cx="3057247" cy="584775"/>
+          </a:xfrm>
+          <a:prstGeom prst="rect">
+            <a:avLst/>
+          </a:prstGeom>
+          <a:noFill/>
+        </p:spPr>
+        <p:txBody>
+          <a:bodyPr wrap="none" rtlCol="0">
+            <a:spAutoFit/>
+          </a:bodyPr>
+          <a:lstStyle/>
+          <a:p>
+            <a:r>
+              <a:rPr lang="ja-JP" altLang="en-US" sz="3200">
+                <a:solidFill>
+                  <a:srgbClr val="011893"/>
+                </a:solidFill>
+              </a:rPr>
+              <a:t>講義ノート公開</a:t>
+            </a:r>
+            <a:endParaRPr lang="en-US" sz="3200">
+              <a:solidFill>
+                <a:srgbClr val="011893"/>
+              </a:solidFill>
+            </a:endParaRPr>
+          </a:p>
+        </p:txBody>
+      </p:sp>
+      <p:sp>
+        <p:nvSpPr>
+          <p:cNvPr id="6" name="テキスト ボックス 5">
+            <a:extLst>
+              <a:ext uri="{FF2B5EF4-FFF2-40B4-BE49-F238E27FC236}">
+                <a16:creationId xmlns:a16="http://schemas.microsoft.com/office/drawing/2014/main" id="{50E09486-8663-D7ED-0DDC-2F5D75B1ABD4}"/>
+              </a:ext>
+            </a:extLst>
+          </p:cNvPr>
+          <p:cNvSpPr txBox="1"/>
+          <p:nvPr/>
+        </p:nvSpPr>
+        <p:spPr>
+          <a:xfrm>
+            <a:off x="899592" y="4509120"/>
+            <a:ext cx="5929828" cy="1569660"/>
+          </a:xfrm>
+          <a:prstGeom prst="rect">
+            <a:avLst/>
+          </a:prstGeom>
+          <a:noFill/>
+        </p:spPr>
+        <p:txBody>
+          <a:bodyPr wrap="none" rtlCol="0">
+            <a:spAutoFit/>
+          </a:bodyPr>
+          <a:lstStyle/>
+          <a:p>
+            <a:r>
+              <a:rPr kumimoji="1" lang="en-US" altLang="ja-JP" sz="3200"/>
+              <a:t>GitHub</a:t>
+            </a:r>
+            <a:r>
+              <a:rPr kumimoji="1" lang="ja-JP" altLang="en-US" sz="3200"/>
+              <a:t>で講義ノートを公開</a:t>
+            </a:r>
+            <a:endParaRPr kumimoji="1" lang="en-US" altLang="ja-JP" sz="3200"/>
+          </a:p>
+          <a:p>
+            <a:r>
+              <a:rPr lang="ja-JP" altLang="en-US" sz="3200"/>
+              <a:t>スマホで閲覧可能</a:t>
+            </a:r>
+            <a:endParaRPr lang="en-US" altLang="ja-JP" sz="3200"/>
+          </a:p>
+          <a:p>
+            <a:r>
+              <a:rPr kumimoji="1" lang="ja-JP" altLang="en-US" sz="3200"/>
+              <a:t>退職後も消えない可能性が高い</a:t>
+            </a:r>
+          </a:p>
+        </p:txBody>
+      </p:sp>
+      <p:sp>
+        <p:nvSpPr>
+          <p:cNvPr id="8" name="テキスト ボックス 7">
+            <a:extLst>
+              <a:ext uri="{FF2B5EF4-FFF2-40B4-BE49-F238E27FC236}">
+                <a16:creationId xmlns:a16="http://schemas.microsoft.com/office/drawing/2014/main" id="{7AC69FFC-18EA-26B2-F4D9-B91520A0965A}"/>
+              </a:ext>
+            </a:extLst>
+          </p:cNvPr>
+          <p:cNvSpPr txBox="1"/>
+          <p:nvPr/>
+        </p:nvSpPr>
+        <p:spPr>
+          <a:xfrm>
+            <a:off x="1835696" y="2924944"/>
+            <a:ext cx="6120680" cy="461665"/>
+          </a:xfrm>
+          <a:prstGeom prst="rect">
+            <a:avLst/>
+          </a:prstGeom>
+          <a:noFill/>
+        </p:spPr>
+        <p:txBody>
+          <a:bodyPr wrap="square">
+            <a:spAutoFit/>
+          </a:bodyPr>
+          <a:lstStyle/>
+          <a:p>
+            <a:r>
+              <a:rPr lang="ja-JP" altLang="en-US" sz="2400">
+                <a:hlinkClick r:id="rId2"/>
+              </a:rPr>
+              <a:t>https://datarepo.mdcl.issp.u-tokyo.ac.jp/</a:t>
+            </a:r>
+            <a:endParaRPr lang="ja-JP" altLang="en-US" sz="2400"/>
+          </a:p>
+        </p:txBody>
+      </p:sp>
+    </p:spTree>
+    <p:extLst>
+      <p:ext uri="{BB962C8B-B14F-4D97-AF65-F5344CB8AC3E}">
+        <p14:creationId xmlns:p14="http://schemas.microsoft.com/office/powerpoint/2010/main" val="4177748617"/>
+      </p:ext>
+    </p:extLst>
+  </p:cSld>
+  <p:clrMapOvr>
+    <a:masterClrMapping/>
+  </p:clrMapOvr>
+</p:sld>
+</file>
+
+<file path=ppt/slides/slide4.xml><?xml version="1.0" encoding="utf-8"?>
+<p:sld xmlns:a="http://schemas.openxmlformats.org/drawingml/2006/main" xmlns:r="http://schemas.openxmlformats.org/officeDocument/2006/relationships" xmlns:p="http://schemas.openxmlformats.org/presentationml/2006/main">
+  <p:cSld>
+    <p:spTree>
+      <p:nvGrpSpPr>
+        <p:cNvPr id="1" name=""/>
+        <p:cNvGrpSpPr/>
+        <p:nvPr/>
+      </p:nvGrpSpPr>
+      <p:grpSpPr>
+        <a:xfrm>
+          <a:off x="0" y="0"/>
+          <a:ext cx="0" cy="0"/>
+          <a:chOff x="0" y="0"/>
+          <a:chExt cx="0" cy="0"/>
+        </a:xfrm>
+      </p:grpSpPr>
+      <p:sp>
+        <p:nvSpPr>
+          <p:cNvPr id="2" name="テキスト プレースホルダー 1">
+            <a:extLst>
+              <a:ext uri="{FF2B5EF4-FFF2-40B4-BE49-F238E27FC236}">
                 <a16:creationId xmlns:a16="http://schemas.microsoft.com/office/drawing/2014/main" id="{6A141EFB-397F-1633-869B-5D1D59569078}"/>
               </a:ext>
             </a:extLst>
@@ -2117,7 +2510,7 @@
 </p:sld>
 </file>
 
-<file path=ppt/slides/slide4.xml><?xml version="1.0" encoding="utf-8"?>
+<file path=ppt/slides/slide5.xml><?xml version="1.0" encoding="utf-8"?>
 <p:sld xmlns:a="http://schemas.openxmlformats.org/drawingml/2006/main" xmlns:r="http://schemas.openxmlformats.org/officeDocument/2006/relationships" xmlns:p="http://schemas.openxmlformats.org/presentationml/2006/main">
   <p:cSld>
     <p:spTree>
